--- a/slides/Tag-2_3-Bestandteile_Formulare.pptx
+++ b/slides/Tag-2_3-Bestandteile_Formulare.pptx
@@ -186,10 +186,6 @@
     </p:ext>
   </p:extLst>
 </p:presentation>
-</file>
-
-<file path=ppt/revisionInfo.xml><?xml version="1.0" encoding="utf-8"?>
-<p1510:revInfo xmlns:a="http://schemas.openxmlformats.org/drawingml/2006/main" xmlns:r="http://schemas.openxmlformats.org/officeDocument/2006/relationships" xmlns:p1510="http://schemas.microsoft.com/office/powerpoint/2015/10/main"/>
 </file>
 
 <file path=ppt/handoutMasters/handoutMaster1.xml><?xml version="1.0" encoding="utf-8"?>
@@ -4939,7 +4935,7 @@
               <a:pPr algn="ctr">
                 <a:defRPr/>
               </a:pPr>
-              <a:t>16.06.2017</a:t>
+              <a:t>12.03.2019</a:t>
             </a:fld>
             <a:endParaRPr lang="de-DE" sz="1000" dirty="0">
               <a:solidFill>
@@ -14853,25 +14849,6 @@
                 <a:cs typeface="Consolas" panose="020B0609020204030204" pitchFamily="49" charset="0"/>
               </a:rPr>
               <a:t>        }</a:t>
-            </a:r>
-            <a:br>
-              <a:rPr lang="de-DE" altLang="de-DE" sz="1600" dirty="0">
-                <a:solidFill>
-                  <a:srgbClr val="000000"/>
-                </a:solidFill>
-                <a:latin typeface="Consolas" panose="020B0609020204030204" pitchFamily="49" charset="0"/>
-                <a:cs typeface="Consolas" panose="020B0609020204030204" pitchFamily="49" charset="0"/>
-              </a:rPr>
-            </a:br>
-            <a:r>
-              <a:rPr lang="de-DE" altLang="de-DE" sz="1600" dirty="0">
-                <a:solidFill>
-                  <a:srgbClr val="000000"/>
-                </a:solidFill>
-                <a:latin typeface="Consolas" panose="020B0609020204030204" pitchFamily="49" charset="0"/>
-                <a:cs typeface="Consolas" panose="020B0609020204030204" pitchFamily="49" charset="0"/>
-              </a:rPr>
-              <a:t>        </a:t>
             </a:r>
             <a:br>
               <a:rPr lang="de-DE" altLang="de-DE" sz="1600" dirty="0">

--- a/slides/Tag-2_3-Bestandteile_Formulare.pptx
+++ b/slides/Tag-2_3-Bestandteile_Formulare.pptx
@@ -4935,7 +4935,7 @@
               <a:pPr algn="ctr">
                 <a:defRPr/>
               </a:pPr>
-              <a:t>12.03.2019</a:t>
+              <a:t>15.03.2019</a:t>
             </a:fld>
             <a:endParaRPr lang="de-DE" sz="1000" dirty="0">
               <a:solidFill>
@@ -6860,6 +6860,10 @@
             </a:r>
           </a:p>
           <a:p>
+            <a:pPr>
+              <a:buFont typeface="Arial" panose="020B0604020202020204" pitchFamily="34" charset="0"/>
+              <a:buChar char="•"/>
+            </a:pPr>
             <a:r>
               <a:rPr lang="de-DE" sz="2000" dirty="0"/>
               <a:t>Bean</a:t>
@@ -7677,6 +7681,10 @@
             </a:r>
           </a:p>
           <a:p>
+            <a:pPr>
+              <a:buFont typeface="Arial" panose="020B0604020202020204" pitchFamily="34" charset="0"/>
+              <a:buChar char="•"/>
+            </a:pPr>
             <a:r>
               <a:rPr lang="de-DE" sz="2000" dirty="0" err="1"/>
               <a:t>Application</a:t>
@@ -7984,7 +7992,10 @@
             </a:endParaRPr>
           </a:p>
           <a:p>
-            <a:pPr marL="285750"/>
+            <a:pPr marL="285750">
+              <a:buFont typeface="Arial" panose="020B0604020202020204" pitchFamily="34" charset="0"/>
+              <a:buChar char="•"/>
+            </a:pPr>
             <a:r>
               <a:rPr lang="de-DE" sz="2000" dirty="0" err="1">
                 <a:latin typeface="+mj-lt"/>
@@ -8691,24 +8702,40 @@
             </a:r>
           </a:p>
           <a:p>
+            <a:pPr>
+              <a:buFont typeface="Arial" panose="020B0604020202020204" pitchFamily="34" charset="0"/>
+              <a:buChar char="•"/>
+            </a:pPr>
             <a:r>
               <a:rPr lang="de-DE" sz="2000" dirty="0"/>
               <a:t>Rückmeldung an den Nutzer</a:t>
             </a:r>
           </a:p>
           <a:p>
+            <a:pPr>
+              <a:buFont typeface="Arial" panose="020B0604020202020204" pitchFamily="34" charset="0"/>
+              <a:buChar char="•"/>
+            </a:pPr>
             <a:r>
               <a:rPr lang="de-DE" sz="2000" dirty="0"/>
               <a:t>Überschreibbare Standardtexte</a:t>
             </a:r>
           </a:p>
           <a:p>
+            <a:pPr>
+              <a:buFont typeface="Arial" panose="020B0604020202020204" pitchFamily="34" charset="0"/>
+              <a:buChar char="•"/>
+            </a:pPr>
             <a:r>
               <a:rPr lang="de-DE" sz="2000" dirty="0"/>
               <a:t>Internationalisierung</a:t>
             </a:r>
           </a:p>
           <a:p>
+            <a:pPr>
+              <a:buFont typeface="Arial" panose="020B0604020202020204" pitchFamily="34" charset="0"/>
+              <a:buChar char="•"/>
+            </a:pPr>
             <a:r>
               <a:rPr lang="de-DE" sz="2000" dirty="0"/>
               <a:t>Speicherung in </a:t>
@@ -8810,12 +8837,20 @@
             </a:r>
           </a:p>
           <a:p>
+            <a:pPr>
+              <a:buFont typeface="Arial" panose="020B0604020202020204" pitchFamily="34" charset="0"/>
+              <a:buChar char="•"/>
+            </a:pPr>
             <a:r>
               <a:rPr lang="de-DE" sz="2000" dirty="0"/>
               <a:t>Auflistung von Messages </a:t>
             </a:r>
           </a:p>
           <a:p>
+            <a:pPr>
+              <a:buFont typeface="Arial" panose="020B0604020202020204" pitchFamily="34" charset="0"/>
+              <a:buChar char="•"/>
+            </a:pPr>
             <a:r>
               <a:rPr lang="de-DE" sz="2000" dirty="0"/>
               <a:t>Interface </a:t>
@@ -8827,6 +8862,10 @@
             <a:endParaRPr lang="de-DE" sz="2000" i="1" dirty="0"/>
           </a:p>
           <a:p>
+            <a:pPr>
+              <a:buFont typeface="Arial" panose="020B0604020202020204" pitchFamily="34" charset="0"/>
+              <a:buChar char="•"/>
+            </a:pPr>
             <a:endParaRPr lang="de-DE" altLang="de-DE" sz="1600" dirty="0">
               <a:solidFill>
                 <a:srgbClr val="000000"/>
@@ -8836,6 +8875,10 @@
             </a:endParaRPr>
           </a:p>
           <a:p>
+            <a:pPr>
+              <a:buFont typeface="Arial" panose="020B0604020202020204" pitchFamily="34" charset="0"/>
+              <a:buChar char="•"/>
+            </a:pPr>
             <a:r>
               <a:rPr lang="de-DE" altLang="de-DE" sz="2000" dirty="0">
                 <a:solidFill>
@@ -9106,6 +9149,10 @@
             </a:endParaRPr>
           </a:p>
           <a:p>
+            <a:pPr>
+              <a:buFont typeface="Arial" panose="020B0604020202020204" pitchFamily="34" charset="0"/>
+              <a:buChar char="•"/>
+            </a:pPr>
             <a:r>
               <a:rPr lang="de-DE" sz="2000" dirty="0"/>
               <a:t>Java</a:t>
@@ -9570,12 +9617,20 @@
             </a:r>
           </a:p>
           <a:p>
+            <a:pPr>
+              <a:buFont typeface="Arial" panose="020B0604020202020204" pitchFamily="34" charset="0"/>
+              <a:buChar char="•"/>
+            </a:pPr>
             <a:r>
               <a:rPr lang="de-DE" sz="2000" dirty="0"/>
               <a:t>Nachrichten von Komponenten</a:t>
             </a:r>
           </a:p>
           <a:p>
+            <a:pPr>
+              <a:buFont typeface="Arial" panose="020B0604020202020204" pitchFamily="34" charset="0"/>
+              <a:buChar char="•"/>
+            </a:pPr>
             <a:r>
               <a:rPr lang="de-DE" sz="2000" dirty="0"/>
               <a:t>Levels (vgl. </a:t>
@@ -9590,7 +9645,10 @@
             </a:r>
           </a:p>
           <a:p>
-            <a:pPr lvl="1"/>
+            <a:pPr lvl="1">
+              <a:buFont typeface="Arial" panose="020B0604020202020204" pitchFamily="34" charset="0"/>
+              <a:buChar char="•"/>
+            </a:pPr>
             <a:r>
               <a:rPr lang="de-DE" sz="1600" dirty="0" err="1"/>
               <a:t>debug</a:t>
@@ -9598,7 +9656,10 @@
             <a:endParaRPr lang="de-DE" sz="1600" dirty="0"/>
           </a:p>
           <a:p>
-            <a:pPr lvl="1"/>
+            <a:pPr lvl="1">
+              <a:buFont typeface="Arial" panose="020B0604020202020204" pitchFamily="34" charset="0"/>
+              <a:buChar char="•"/>
+            </a:pPr>
             <a:r>
               <a:rPr lang="de-DE" sz="1600" dirty="0" err="1"/>
               <a:t>info</a:t>
@@ -9606,7 +9667,10 @@
             <a:endParaRPr lang="de-DE" sz="1600" dirty="0"/>
           </a:p>
           <a:p>
-            <a:pPr lvl="1"/>
+            <a:pPr lvl="1">
+              <a:buFont typeface="Arial" panose="020B0604020202020204" pitchFamily="34" charset="0"/>
+              <a:buChar char="•"/>
+            </a:pPr>
             <a:r>
               <a:rPr lang="de-DE" sz="1600" dirty="0" err="1"/>
               <a:t>success</a:t>
@@ -9614,14 +9678,20 @@
             <a:endParaRPr lang="de-DE" sz="1600" dirty="0"/>
           </a:p>
           <a:p>
-            <a:pPr lvl="1"/>
+            <a:pPr lvl="1">
+              <a:buFont typeface="Arial" panose="020B0604020202020204" pitchFamily="34" charset="0"/>
+              <a:buChar char="•"/>
+            </a:pPr>
             <a:r>
               <a:rPr lang="de-DE" sz="1600" dirty="0"/>
               <a:t>warn</a:t>
             </a:r>
           </a:p>
           <a:p>
-            <a:pPr lvl="1"/>
+            <a:pPr lvl="1">
+              <a:buFont typeface="Arial" panose="020B0604020202020204" pitchFamily="34" charset="0"/>
+              <a:buChar char="•"/>
+            </a:pPr>
             <a:r>
               <a:rPr lang="de-DE" sz="1600" dirty="0" err="1"/>
               <a:t>error</a:t>
@@ -9629,13 +9699,20 @@
             <a:endParaRPr lang="de-DE" sz="1600" dirty="0"/>
           </a:p>
           <a:p>
-            <a:pPr lvl="1"/>
+            <a:pPr lvl="1">
+              <a:buFont typeface="Arial" panose="020B0604020202020204" pitchFamily="34" charset="0"/>
+              <a:buChar char="•"/>
+            </a:pPr>
             <a:r>
               <a:rPr lang="de-DE" sz="1600" dirty="0"/>
               <a:t>fatal</a:t>
             </a:r>
           </a:p>
           <a:p>
+            <a:pPr>
+              <a:buFont typeface="Arial" panose="020B0604020202020204" pitchFamily="34" charset="0"/>
+              <a:buChar char="•"/>
+            </a:pPr>
             <a:r>
               <a:rPr lang="de-DE" sz="2000" dirty="0"/>
               <a:t>Definition eigener </a:t>
@@ -10618,19 +10695,30 @@
             </a:r>
           </a:p>
           <a:p>
+            <a:pPr>
+              <a:buFont typeface="Arial" panose="020B0604020202020204" pitchFamily="34" charset="0"/>
+              <a:buChar char="•"/>
+            </a:pPr>
             <a:r>
               <a:rPr lang="de-DE" sz="2000" dirty="0"/>
               <a:t>Eigene Komponenten</a:t>
             </a:r>
           </a:p>
           <a:p>
+            <a:pPr>
+              <a:buFont typeface="Arial" panose="020B0604020202020204" pitchFamily="34" charset="0"/>
+              <a:buChar char="•"/>
+            </a:pPr>
             <a:r>
               <a:rPr lang="de-DE" sz="2000" dirty="0"/>
               <a:t>Handler auf Serverseite</a:t>
             </a:r>
           </a:p>
           <a:p>
-            <a:pPr lvl="1"/>
+            <a:pPr lvl="1">
+              <a:buFont typeface="Arial" panose="020B0604020202020204" pitchFamily="34" charset="0"/>
+              <a:buChar char="•"/>
+            </a:pPr>
             <a:r>
               <a:rPr lang="de-DE" sz="1600" dirty="0" err="1"/>
               <a:t>onSubmit</a:t>
@@ -10641,7 +10729,10 @@
             </a:r>
           </a:p>
           <a:p>
-            <a:pPr lvl="1"/>
+            <a:pPr lvl="1">
+              <a:buFont typeface="Arial" panose="020B0604020202020204" pitchFamily="34" charset="0"/>
+              <a:buChar char="•"/>
+            </a:pPr>
             <a:r>
               <a:rPr lang="de-DE" sz="1600" dirty="0" err="1"/>
               <a:t>onError</a:t>
@@ -10652,10 +10743,17 @@
             </a:r>
           </a:p>
           <a:p>
-            <a:pPr lvl="1"/>
+            <a:pPr lvl="1">
+              <a:buFont typeface="Arial" panose="020B0604020202020204" pitchFamily="34" charset="0"/>
+              <a:buChar char="•"/>
+            </a:pPr>
             <a:endParaRPr lang="de-DE" sz="1600" dirty="0"/>
           </a:p>
           <a:p>
+            <a:pPr>
+              <a:buFont typeface="Arial" panose="020B0604020202020204" pitchFamily="34" charset="0"/>
+              <a:buChar char="•"/>
+            </a:pPr>
             <a:r>
               <a:rPr lang="de-DE" sz="2000" dirty="0"/>
               <a:t>Verarbeitung</a:t>
@@ -10779,20 +10877,30 @@
             </a:r>
           </a:p>
           <a:p>
+            <a:pPr>
+              <a:buFont typeface="Arial" panose="020B0604020202020204" pitchFamily="34" charset="0"/>
+              <a:buChar char="•"/>
+            </a:pPr>
             <a:r>
               <a:rPr lang="de-DE" sz="2000" dirty="0"/>
               <a:t>Vorgefertigte Eingabekomponenten</a:t>
             </a:r>
           </a:p>
           <a:p>
-            <a:pPr lvl="1"/>
+            <a:pPr lvl="1">
+              <a:buFont typeface="Arial" panose="020B0604020202020204" pitchFamily="34" charset="0"/>
+              <a:buChar char="•"/>
+            </a:pPr>
             <a:r>
               <a:rPr lang="de-DE" sz="1600" dirty="0"/>
               <a:t>Textfelder</a:t>
             </a:r>
           </a:p>
           <a:p>
-            <a:pPr lvl="1"/>
+            <a:pPr lvl="1">
+              <a:buFont typeface="Arial" panose="020B0604020202020204" pitchFamily="34" charset="0"/>
+              <a:buChar char="•"/>
+            </a:pPr>
             <a:r>
               <a:rPr lang="de-DE" sz="1600" dirty="0" err="1"/>
               <a:t>CheckBoxen</a:t>
@@ -10800,7 +10908,10 @@
             <a:endParaRPr lang="de-DE" sz="1600" dirty="0"/>
           </a:p>
           <a:p>
-            <a:pPr lvl="1"/>
+            <a:pPr lvl="1">
+              <a:buFont typeface="Arial" panose="020B0604020202020204" pitchFamily="34" charset="0"/>
+              <a:buChar char="•"/>
+            </a:pPr>
             <a:r>
               <a:rPr lang="de-DE" sz="1600" dirty="0" err="1"/>
               <a:t>DropDowns</a:t>
@@ -10808,14 +10919,20 @@
             <a:endParaRPr lang="de-DE" sz="1600" dirty="0"/>
           </a:p>
           <a:p>
-            <a:pPr lvl="1"/>
+            <a:pPr lvl="1">
+              <a:buFont typeface="Arial" panose="020B0604020202020204" pitchFamily="34" charset="0"/>
+              <a:buChar char="•"/>
+            </a:pPr>
             <a:r>
               <a:rPr lang="de-DE" sz="1600" dirty="0"/>
               <a:t>Buttons</a:t>
             </a:r>
           </a:p>
           <a:p>
-            <a:pPr lvl="1"/>
+            <a:pPr lvl="1">
+              <a:buFont typeface="Arial" panose="020B0604020202020204" pitchFamily="34" charset="0"/>
+              <a:buChar char="•"/>
+            </a:pPr>
             <a:r>
               <a:rPr lang="de-DE" sz="1600" dirty="0"/>
               <a:t>…</a:t>
@@ -10939,6 +11056,10 @@
             </a:r>
           </a:p>
           <a:p>
+            <a:pPr>
+              <a:buFont typeface="Arial" panose="020B0604020202020204" pitchFamily="34" charset="0"/>
+              <a:buChar char="•"/>
+            </a:pPr>
             <a:r>
               <a:rPr lang="de-DE" sz="2000" dirty="0"/>
               <a:t>HTML: Page</a:t>
@@ -12212,6 +12333,10 @@
             </a:r>
           </a:p>
           <a:p>
+            <a:pPr>
+              <a:buFont typeface="Arial" panose="020B0604020202020204" pitchFamily="34" charset="0"/>
+              <a:buChar char="•"/>
+            </a:pPr>
             <a:r>
               <a:rPr lang="de-DE" sz="2000" dirty="0"/>
               <a:t>Java: Page</a:t>
@@ -12700,6 +12825,10 @@
             </a:r>
           </a:p>
           <a:p>
+            <a:pPr>
+              <a:buFont typeface="Arial" panose="020B0604020202020204" pitchFamily="34" charset="0"/>
+              <a:buChar char="•"/>
+            </a:pPr>
             <a:r>
               <a:rPr lang="de-DE" sz="2000" dirty="0"/>
               <a:t>Java: Formular</a:t>
@@ -14053,6 +14182,10 @@
             </a:r>
           </a:p>
           <a:p>
+            <a:pPr>
+              <a:buFont typeface="Arial" panose="020B0604020202020204" pitchFamily="34" charset="0"/>
+              <a:buChar char="•"/>
+            </a:pPr>
             <a:r>
               <a:rPr lang="de-DE" sz="2000" dirty="0"/>
               <a:t>Interface </a:t>
@@ -14064,6 +14197,10 @@
             <a:endParaRPr lang="de-DE" sz="2000" i="1" dirty="0"/>
           </a:p>
           <a:p>
+            <a:pPr>
+              <a:buFont typeface="Arial" panose="020B0604020202020204" pitchFamily="34" charset="0"/>
+              <a:buChar char="•"/>
+            </a:pPr>
             <a:r>
               <a:rPr lang="de-DE" sz="2000" dirty="0"/>
               <a:t>Vorgefertigte </a:t>
@@ -14075,7 +14212,10 @@
             <a:endParaRPr lang="de-DE" sz="2000" dirty="0"/>
           </a:p>
           <a:p>
-            <a:pPr lvl="1"/>
+            <a:pPr lvl="1">
+              <a:buFont typeface="Arial" panose="020B0604020202020204" pitchFamily="34" charset="0"/>
+              <a:buChar char="•"/>
+            </a:pPr>
             <a:r>
               <a:rPr lang="de-DE" sz="1600" dirty="0" err="1"/>
               <a:t>EmailAddressValidator</a:t>
@@ -14083,7 +14223,10 @@
             <a:endParaRPr lang="de-DE" sz="1600" dirty="0"/>
           </a:p>
           <a:p>
-            <a:pPr lvl="1"/>
+            <a:pPr lvl="1">
+              <a:buFont typeface="Arial" panose="020B0604020202020204" pitchFamily="34" charset="0"/>
+              <a:buChar char="•"/>
+            </a:pPr>
             <a:r>
               <a:rPr lang="de-DE" sz="1600" dirty="0" err="1"/>
               <a:t>URLValidator</a:t>
@@ -14091,7 +14234,10 @@
             <a:endParaRPr lang="de-DE" sz="1600" dirty="0"/>
           </a:p>
           <a:p>
-            <a:pPr lvl="1"/>
+            <a:pPr lvl="1">
+              <a:buFont typeface="Arial" panose="020B0604020202020204" pitchFamily="34" charset="0"/>
+              <a:buChar char="•"/>
+            </a:pPr>
             <a:r>
               <a:rPr lang="de-DE" sz="1600" dirty="0" err="1"/>
               <a:t>DateValidator</a:t>
@@ -14099,7 +14245,10 @@
             <a:endParaRPr lang="de-DE" sz="1600" dirty="0"/>
           </a:p>
           <a:p>
-            <a:pPr lvl="1"/>
+            <a:pPr lvl="1">
+              <a:buFont typeface="Arial" panose="020B0604020202020204" pitchFamily="34" charset="0"/>
+              <a:buChar char="•"/>
+            </a:pPr>
             <a:r>
               <a:rPr lang="de-DE" sz="1600" dirty="0" err="1"/>
               <a:t>RangeValidator</a:t>
@@ -14107,7 +14256,10 @@
             <a:endParaRPr lang="de-DE" sz="1600" dirty="0"/>
           </a:p>
           <a:p>
-            <a:pPr lvl="1"/>
+            <a:pPr lvl="1">
+              <a:buFont typeface="Arial" panose="020B0604020202020204" pitchFamily="34" charset="0"/>
+              <a:buChar char="•"/>
+            </a:pPr>
             <a:r>
               <a:rPr lang="de-DE" sz="1600" dirty="0"/>
               <a:t>…</a:t>
@@ -14201,6 +14353,10 @@
             </a:r>
           </a:p>
           <a:p>
+            <a:pPr>
+              <a:buFont typeface="Arial" panose="020B0604020202020204" pitchFamily="34" charset="0"/>
+              <a:buChar char="•"/>
+            </a:pPr>
             <a:r>
               <a:rPr lang="de-DE" sz="2000" dirty="0"/>
               <a:t>Eigene </a:t>
@@ -14981,20 +15137,30 @@
             </a:r>
           </a:p>
           <a:p>
+            <a:pPr>
+              <a:buFont typeface="Arial" panose="020B0604020202020204" pitchFamily="34" charset="0"/>
+              <a:buChar char="•"/>
+            </a:pPr>
             <a:r>
               <a:rPr lang="de-DE" sz="2000" dirty="0"/>
               <a:t>Definiert Annotationen zur Bean-Validierung</a:t>
             </a:r>
           </a:p>
           <a:p>
-            <a:pPr lvl="1"/>
+            <a:pPr lvl="1">
+              <a:buFont typeface="Arial" panose="020B0604020202020204" pitchFamily="34" charset="0"/>
+              <a:buChar char="•"/>
+            </a:pPr>
             <a:r>
               <a:rPr lang="de-DE" sz="1600" dirty="0"/>
               <a:t>@Range</a:t>
             </a:r>
           </a:p>
           <a:p>
-            <a:pPr lvl="1"/>
+            <a:pPr lvl="1">
+              <a:buFont typeface="Arial" panose="020B0604020202020204" pitchFamily="34" charset="0"/>
+              <a:buChar char="•"/>
+            </a:pPr>
             <a:r>
               <a:rPr lang="de-DE" sz="1600" dirty="0"/>
               <a:t>@</a:t>
@@ -15006,7 +15172,10 @@
             <a:endParaRPr lang="de-DE" sz="1600" dirty="0"/>
           </a:p>
           <a:p>
-            <a:pPr lvl="1"/>
+            <a:pPr lvl="1">
+              <a:buFont typeface="Arial" panose="020B0604020202020204" pitchFamily="34" charset="0"/>
+              <a:buChar char="•"/>
+            </a:pPr>
             <a:r>
               <a:rPr lang="de-DE" sz="1600" dirty="0"/>
               <a:t>@</a:t>
@@ -15018,20 +15187,30 @@
             <a:endParaRPr lang="de-DE" sz="1600" dirty="0"/>
           </a:p>
           <a:p>
-            <a:pPr lvl="1"/>
+            <a:pPr lvl="1">
+              <a:buFont typeface="Arial" panose="020B0604020202020204" pitchFamily="34" charset="0"/>
+              <a:buChar char="•"/>
+            </a:pPr>
             <a:r>
               <a:rPr lang="de-DE" sz="1600" dirty="0"/>
               <a:t>@Pattern</a:t>
             </a:r>
           </a:p>
           <a:p>
-            <a:pPr lvl="1"/>
+            <a:pPr lvl="1">
+              <a:buFont typeface="Arial" panose="020B0604020202020204" pitchFamily="34" charset="0"/>
+              <a:buChar char="•"/>
+            </a:pPr>
             <a:r>
               <a:rPr lang="de-DE" sz="1600" dirty="0"/>
               <a:t>…</a:t>
             </a:r>
           </a:p>
           <a:p>
+            <a:pPr>
+              <a:buFont typeface="Arial" panose="020B0604020202020204" pitchFamily="34" charset="0"/>
+              <a:buChar char="•"/>
+            </a:pPr>
             <a:r>
               <a:rPr lang="de-DE" sz="2000" dirty="0"/>
               <a:t>Nutzung in </a:t>
@@ -15043,7 +15222,10 @@
             <a:endParaRPr lang="de-DE" sz="2000" dirty="0"/>
           </a:p>
           <a:p>
-            <a:pPr lvl="1"/>
+            <a:pPr lvl="1">
+              <a:buFont typeface="Arial" panose="020B0604020202020204" pitchFamily="34" charset="0"/>
+              <a:buChar char="•"/>
+            </a:pPr>
             <a:r>
               <a:rPr lang="de-DE" sz="1600" dirty="0"/>
               <a:t>Annotation der </a:t>
@@ -15055,7 +15237,10 @@
             <a:endParaRPr lang="de-DE" sz="1600" dirty="0"/>
           </a:p>
           <a:p>
-            <a:pPr lvl="1"/>
+            <a:pPr lvl="1">
+              <a:buFont typeface="Arial" panose="020B0604020202020204" pitchFamily="34" charset="0"/>
+              <a:buChar char="•"/>
+            </a:pPr>
             <a:r>
               <a:rPr lang="de-DE" sz="1600" dirty="0"/>
               <a:t>Aktivierung in </a:t>
@@ -15070,7 +15255,10 @@
             </a:r>
           </a:p>
           <a:p>
-            <a:pPr lvl="1"/>
+            <a:pPr lvl="1">
+              <a:buFont typeface="Arial" panose="020B0604020202020204" pitchFamily="34" charset="0"/>
+              <a:buChar char="•"/>
+            </a:pPr>
             <a:r>
               <a:rPr lang="de-DE" sz="1600" dirty="0"/>
               <a:t>Hinzufügen von </a:t>

--- a/slides/Tag-2_3-Bestandteile_Formulare.pptx
+++ b/slides/Tag-2_3-Bestandteile_Formulare.pptx
@@ -4935,7 +4935,7 @@
               <a:pPr algn="ctr">
                 <a:defRPr/>
               </a:pPr>
-              <a:t>15.03.2019</a:t>
+              <a:t>20.03.2019</a:t>
             </a:fld>
             <a:endParaRPr lang="de-DE" sz="1000" dirty="0">
               <a:solidFill>
@@ -10720,11 +10720,19 @@
               <a:buChar char="•"/>
             </a:pPr>
             <a:r>
-              <a:rPr lang="de-DE" sz="1600" dirty="0" err="1"/>
+              <a:rPr lang="de-DE" sz="1600" dirty="0" err="1">
+                <a:solidFill>
+                  <a:srgbClr val="00B050"/>
+                </a:solidFill>
+              </a:rPr>
               <a:t>onSubmit</a:t>
             </a:r>
             <a:r>
-              <a:rPr lang="de-DE" sz="1600" dirty="0"/>
+              <a:rPr lang="de-DE" sz="1600" dirty="0">
+                <a:solidFill>
+                  <a:srgbClr val="00B050"/>
+                </a:solidFill>
+              </a:rPr>
               <a:t>()</a:t>
             </a:r>
           </a:p>
@@ -10734,11 +10742,19 @@
               <a:buChar char="•"/>
             </a:pPr>
             <a:r>
-              <a:rPr lang="de-DE" sz="1600" dirty="0" err="1"/>
+              <a:rPr lang="de-DE" sz="1600" dirty="0" err="1">
+                <a:solidFill>
+                  <a:srgbClr val="FF0000"/>
+                </a:solidFill>
+              </a:rPr>
               <a:t>onError</a:t>
             </a:r>
             <a:r>
-              <a:rPr lang="de-DE" sz="1600" dirty="0"/>
+              <a:rPr lang="de-DE" sz="1600" dirty="0">
+                <a:solidFill>
+                  <a:srgbClr val="FF0000"/>
+                </a:solidFill>
+              </a:rPr>
               <a:t>()</a:t>
             </a:r>
           </a:p>

--- a/slides/Tag-2_3-Bestandteile_Formulare.pptx
+++ b/slides/Tag-2_3-Bestandteile_Formulare.pptx
@@ -4935,7 +4935,7 @@
               <a:pPr algn="ctr">
                 <a:defRPr/>
               </a:pPr>
-              <a:t>20.03.2019</a:t>
+              <a:t>01.03.2020</a:t>
             </a:fld>
             <a:endParaRPr lang="de-DE" sz="1000" dirty="0">
               <a:solidFill>
@@ -12256,9 +12256,44 @@
               </a:rPr>
               <a:t>&gt;</a:t>
             </a:r>
-            <a:endParaRPr lang="de-DE" altLang="de-DE" sz="3600" dirty="0">
-              <a:latin typeface="Consolas" panose="020B0609020204030204" pitchFamily="49" charset="0"/>
-              <a:cs typeface="Consolas" panose="020B0609020204030204" pitchFamily="49" charset="0"/>
+          </a:p>
+          <a:p>
+            <a:pPr marL="0" lvl="0" indent="0">
+              <a:spcBef>
+                <a:spcPct val="0"/>
+              </a:spcBef>
+              <a:buClrTx/>
+              <a:buNone/>
+            </a:pPr>
+            <a:endParaRPr lang="de-DE" altLang="de-DE" sz="1600" dirty="0">
+              <a:solidFill>
+                <a:srgbClr val="000000"/>
+              </a:solidFill>
+              <a:latin typeface="Arial" panose="020B0604020202020204" pitchFamily="34" charset="0"/>
+              <a:cs typeface="Arial" panose="020B0604020202020204" pitchFamily="34" charset="0"/>
+            </a:endParaRPr>
+          </a:p>
+          <a:p>
+            <a:pPr marL="0" lvl="0" indent="0">
+              <a:spcBef>
+                <a:spcPct val="0"/>
+              </a:spcBef>
+              <a:buClrTx/>
+              <a:buNone/>
+            </a:pPr>
+            <a:r>
+              <a:rPr lang="de-DE" altLang="de-DE" sz="1600" dirty="0">
+                <a:solidFill>
+                  <a:srgbClr val="000000"/>
+                </a:solidFill>
+                <a:latin typeface="Arial" panose="020B0604020202020204" pitchFamily="34" charset="0"/>
+                <a:cs typeface="Arial" panose="020B0604020202020204" pitchFamily="34" charset="0"/>
+              </a:rPr>
+              <a:t>Hinweis: Markup des Forms möglichst ebenfalls auslagern!</a:t>
+            </a:r>
+            <a:endParaRPr lang="de-DE" altLang="de-DE" sz="1600" dirty="0">
+              <a:latin typeface="Arial" panose="020B0604020202020204" pitchFamily="34" charset="0"/>
+              <a:cs typeface="Arial" panose="020B0604020202020204" pitchFamily="34" charset="0"/>
             </a:endParaRPr>
           </a:p>
         </p:txBody>
@@ -13986,7 +14021,7 @@
                 <a:latin typeface="Consolas" panose="020B0609020204030204" pitchFamily="49" charset="0"/>
                 <a:cs typeface="Consolas" panose="020B0609020204030204" pitchFamily="49" charset="0"/>
               </a:rPr>
-              <a:t>"Hallo " </a:t>
+              <a:t>"Hello " </a:t>
             </a:r>
             <a:r>
               <a:rPr lang="de-DE" altLang="de-DE" sz="1200" dirty="0">
@@ -15236,6 +15271,39 @@
               <a:t>Wicket</a:t>
             </a:r>
             <a:endParaRPr lang="de-DE" sz="2000" dirty="0"/>
+          </a:p>
+          <a:p>
+            <a:pPr lvl="1">
+              <a:buFont typeface="Arial" panose="020B0604020202020204" pitchFamily="34" charset="0"/>
+              <a:buChar char="•"/>
+            </a:pPr>
+            <a:r>
+              <a:rPr lang="de-DE" sz="1600" dirty="0"/>
+              <a:t>Einbindung der </a:t>
+            </a:r>
+            <a:r>
+              <a:rPr lang="de-DE" sz="1600" i="1" dirty="0" err="1"/>
+              <a:t>el-api</a:t>
+            </a:r>
+            <a:endParaRPr lang="de-DE" sz="1600" i="1" dirty="0"/>
+          </a:p>
+          <a:p>
+            <a:pPr lvl="1">
+              <a:buFont typeface="Arial" panose="020B0604020202020204" pitchFamily="34" charset="0"/>
+              <a:buChar char="•"/>
+            </a:pPr>
+            <a:r>
+              <a:rPr lang="de-DE" sz="1600" dirty="0"/>
+              <a:t>Einbindung einer Validation Engine (z.B. </a:t>
+            </a:r>
+            <a:r>
+              <a:rPr lang="de-DE" sz="1600" i="1" dirty="0" err="1"/>
+              <a:t>hibernate-validator</a:t>
+            </a:r>
+            <a:r>
+              <a:rPr lang="de-DE" sz="1600" dirty="0"/>
+              <a:t>)</a:t>
+            </a:r>
           </a:p>
           <a:p>
             <a:pPr lvl="1">

--- a/slides/Tag-2_3-Bestandteile_Formulare.pptx
+++ b/slides/Tag-2_3-Bestandteile_Formulare.pptx
@@ -4935,7 +4935,7 @@
               <a:pPr algn="ctr">
                 <a:defRPr/>
               </a:pPr>
-              <a:t>01.03.2020</a:t>
+              <a:t>14.05.2021</a:t>
             </a:fld>
             <a:endParaRPr lang="de-DE" sz="1000" dirty="0">
               <a:solidFill>
@@ -5037,35 +5037,35 @@
           <a:p>
             <a:pPr lvl="0"/>
             <a:r>
-              <a:rPr lang="de-DE"/>
+              <a:rPr lang="de-DE" dirty="0"/>
               <a:t>Klicken Sie,  um die Formate des Vorlagentextes zu bearbeiten</a:t>
             </a:r>
           </a:p>
           <a:p>
             <a:pPr lvl="1"/>
             <a:r>
-              <a:rPr lang="de-DE"/>
+              <a:rPr lang="de-DE" dirty="0"/>
               <a:t>Zweite Ebene</a:t>
             </a:r>
           </a:p>
           <a:p>
             <a:pPr lvl="2"/>
             <a:r>
-              <a:rPr lang="de-DE"/>
+              <a:rPr lang="de-DE" dirty="0"/>
               <a:t>Dritte Ebene</a:t>
             </a:r>
           </a:p>
           <a:p>
             <a:pPr lvl="3"/>
             <a:r>
-              <a:rPr lang="de-DE"/>
+              <a:rPr lang="de-DE" dirty="0"/>
               <a:t>Vierte Ebene</a:t>
             </a:r>
           </a:p>
           <a:p>
             <a:pPr lvl="4"/>
             <a:r>
-              <a:rPr lang="de-DE"/>
+              <a:rPr lang="de-DE" dirty="0"/>
               <a:t>Fünfte Ebene</a:t>
             </a:r>
           </a:p>
@@ -5511,14 +5511,20 @@
               <a:defRPr/>
             </a:pPr>
             <a:r>
-              <a:rPr lang="de-DE" sz="1000" dirty="0">
+              <a:rPr lang="de-DE" sz="1000" dirty="0" smtClean="0">
                 <a:solidFill>
                   <a:schemeClr val="bg1"/>
                 </a:solidFill>
                 <a:latin typeface="Arial" charset="0"/>
               </a:rPr>
-              <a:t>Daniel Krämer</a:t>
-            </a:r>
+              <a:t>Patrick Möbius</a:t>
+            </a:r>
+            <a:endParaRPr lang="de-DE" sz="1000" dirty="0">
+              <a:solidFill>
+                <a:schemeClr val="bg1"/>
+              </a:solidFill>
+              <a:latin typeface="Arial" charset="0"/>
+            </a:endParaRPr>
           </a:p>
         </p:txBody>
       </p:sp>
@@ -6983,6 +6989,16 @@
                 <a:cs typeface="Consolas" panose="020B0609020204030204" pitchFamily="49" charset="0"/>
               </a:rPr>
             </a:br>
+            <a:r>
+              <a:rPr lang="de-DE" altLang="de-DE" sz="1600" dirty="0">
+                <a:solidFill>
+                  <a:srgbClr val="000000"/>
+                </a:solidFill>
+                <a:latin typeface="Consolas" panose="020B0609020204030204" pitchFamily="49" charset="0"/>
+                <a:cs typeface="Consolas" panose="020B0609020204030204" pitchFamily="49" charset="0"/>
+              </a:rPr>
+              <a:t/>
+            </a:r>
             <a:br>
               <a:rPr lang="de-DE" altLang="de-DE" sz="1600" dirty="0">
                 <a:solidFill>
@@ -7012,6 +7028,16 @@
               </a:rPr>
               <a:t>NotNull</a:t>
             </a:r>
+            <a:r>
+              <a:rPr lang="de-DE" altLang="de-DE" sz="1600" dirty="0">
+                <a:solidFill>
+                  <a:srgbClr val="000000"/>
+                </a:solidFill>
+                <a:latin typeface="Consolas" panose="020B0609020204030204" pitchFamily="49" charset="0"/>
+                <a:cs typeface="Consolas" panose="020B0609020204030204" pitchFamily="49" charset="0"/>
+              </a:rPr>
+              <a:t/>
+            </a:r>
             <a:br>
               <a:rPr lang="de-DE" altLang="de-DE" sz="1600" dirty="0">
                 <a:solidFill>
@@ -7197,6 +7223,16 @@
                 <a:cs typeface="Consolas" panose="020B0609020204030204" pitchFamily="49" charset="0"/>
               </a:rPr>
             </a:br>
+            <a:r>
+              <a:rPr lang="de-DE" altLang="de-DE" sz="1600" dirty="0">
+                <a:solidFill>
+                  <a:srgbClr val="000000"/>
+                </a:solidFill>
+                <a:latin typeface="Consolas" panose="020B0609020204030204" pitchFamily="49" charset="0"/>
+                <a:cs typeface="Consolas" panose="020B0609020204030204" pitchFamily="49" charset="0"/>
+              </a:rPr>
+              <a:t/>
+            </a:r>
             <a:br>
               <a:rPr lang="de-DE" altLang="de-DE" sz="1600" dirty="0">
                 <a:solidFill>
@@ -7354,6 +7390,16 @@
                 <a:cs typeface="Consolas" panose="020B0609020204030204" pitchFamily="49" charset="0"/>
               </a:rPr>
             </a:br>
+            <a:r>
+              <a:rPr lang="de-DE" altLang="de-DE" sz="1600" dirty="0">
+                <a:solidFill>
+                  <a:srgbClr val="000000"/>
+                </a:solidFill>
+                <a:latin typeface="Consolas" panose="020B0609020204030204" pitchFamily="49" charset="0"/>
+                <a:cs typeface="Consolas" panose="020B0609020204030204" pitchFamily="49" charset="0"/>
+              </a:rPr>
+              <a:t/>
+            </a:r>
             <a:br>
               <a:rPr lang="de-DE" altLang="de-DE" sz="1600" dirty="0">
                 <a:solidFill>
@@ -7403,6 +7449,16 @@
               </a:rPr>
               <a:t>NotNull</a:t>
             </a:r>
+            <a:r>
+              <a:rPr lang="de-DE" altLang="de-DE" sz="1600" dirty="0">
+                <a:solidFill>
+                  <a:srgbClr val="000000"/>
+                </a:solidFill>
+                <a:latin typeface="Consolas" panose="020B0609020204030204" pitchFamily="49" charset="0"/>
+                <a:cs typeface="Consolas" panose="020B0609020204030204" pitchFamily="49" charset="0"/>
+              </a:rPr>
+              <a:t/>
+            </a:r>
             <a:br>
               <a:rPr lang="de-DE" altLang="de-DE" sz="1600" dirty="0">
                 <a:solidFill>
@@ -7471,6 +7527,16 @@
                 <a:cs typeface="Consolas" panose="020B0609020204030204" pitchFamily="49" charset="0"/>
               </a:rPr>
             </a:br>
+            <a:r>
+              <a:rPr lang="de-DE" altLang="de-DE" sz="1600" dirty="0">
+                <a:solidFill>
+                  <a:srgbClr val="000000"/>
+                </a:solidFill>
+                <a:latin typeface="Consolas" panose="020B0609020204030204" pitchFamily="49" charset="0"/>
+                <a:cs typeface="Consolas" panose="020B0609020204030204" pitchFamily="49" charset="0"/>
+              </a:rPr>
+              <a:t/>
+            </a:r>
             <a:br>
               <a:rPr lang="de-DE" altLang="de-DE" sz="1600" dirty="0">
                 <a:solidFill>
@@ -7499,6 +7565,16 @@
                 <a:cs typeface="Consolas" panose="020B0609020204030204" pitchFamily="49" charset="0"/>
               </a:rPr>
               <a:t>NotNull</a:t>
+            </a:r>
+            <a:r>
+              <a:rPr lang="de-DE" altLang="de-DE" sz="1600" dirty="0">
+                <a:solidFill>
+                  <a:srgbClr val="000000"/>
+                </a:solidFill>
+                <a:latin typeface="Consolas" panose="020B0609020204030204" pitchFamily="49" charset="0"/>
+                <a:cs typeface="Consolas" panose="020B0609020204030204" pitchFamily="49" charset="0"/>
+              </a:rPr>
+              <a:t/>
             </a:r>
             <a:br>
               <a:rPr lang="de-DE" altLang="de-DE" sz="1600" dirty="0">
@@ -7860,6 +7936,16 @@
                 <a:cs typeface="Consolas" panose="020B0609020204030204" pitchFamily="49" charset="0"/>
               </a:rPr>
             </a:br>
+            <a:r>
+              <a:rPr lang="de-DE" altLang="de-DE" sz="1600" dirty="0">
+                <a:solidFill>
+                  <a:srgbClr val="000000"/>
+                </a:solidFill>
+                <a:latin typeface="Consolas" panose="020B0609020204030204" pitchFamily="49" charset="0"/>
+                <a:cs typeface="Consolas" panose="020B0609020204030204" pitchFamily="49" charset="0"/>
+              </a:rPr>
+              <a:t/>
+            </a:r>
             <a:br>
               <a:rPr lang="de-DE" altLang="de-DE" sz="1600" dirty="0">
                 <a:solidFill>
@@ -8113,6 +8199,16 @@
                 <a:cs typeface="Consolas" panose="020B0609020204030204" pitchFamily="49" charset="0"/>
               </a:rPr>
             </a:br>
+            <a:r>
+              <a:rPr lang="de-DE" altLang="de-DE" sz="1600" dirty="0">
+                <a:solidFill>
+                  <a:srgbClr val="000000"/>
+                </a:solidFill>
+                <a:latin typeface="Consolas" panose="020B0609020204030204" pitchFamily="49" charset="0"/>
+                <a:cs typeface="Consolas" panose="020B0609020204030204" pitchFamily="49" charset="0"/>
+              </a:rPr>
+              <a:t/>
+            </a:r>
             <a:br>
               <a:rPr lang="de-DE" altLang="de-DE" sz="1600" dirty="0">
                 <a:solidFill>
@@ -10017,6 +10113,16 @@
                 <a:cs typeface="Consolas" panose="020B0609020204030204" pitchFamily="49" charset="0"/>
               </a:rPr>
             </a:br>
+            <a:r>
+              <a:rPr lang="de-DE" altLang="de-DE" sz="1600" dirty="0">
+                <a:solidFill>
+                  <a:srgbClr val="000000"/>
+                </a:solidFill>
+                <a:latin typeface="Consolas" panose="020B0609020204030204" pitchFamily="49" charset="0"/>
+                <a:cs typeface="Consolas" panose="020B0609020204030204" pitchFamily="49" charset="0"/>
+              </a:rPr>
+              <a:t/>
+            </a:r>
             <a:br>
               <a:rPr lang="de-DE" altLang="de-DE" sz="1600" dirty="0">
                 <a:solidFill>
@@ -10213,6 +10319,16 @@
                 <a:cs typeface="Consolas" panose="020B0609020204030204" pitchFamily="49" charset="0"/>
               </a:rPr>
             </a:br>
+            <a:r>
+              <a:rPr lang="de-DE" altLang="de-DE" sz="1600" dirty="0">
+                <a:solidFill>
+                  <a:srgbClr val="000000"/>
+                </a:solidFill>
+                <a:latin typeface="Consolas" panose="020B0609020204030204" pitchFamily="49" charset="0"/>
+                <a:cs typeface="Consolas" panose="020B0609020204030204" pitchFamily="49" charset="0"/>
+              </a:rPr>
+              <a:t/>
+            </a:r>
             <a:br>
               <a:rPr lang="de-DE" altLang="de-DE" sz="1600" dirty="0">
                 <a:solidFill>
@@ -10582,6 +10698,16 @@
                 <a:cs typeface="Consolas" panose="020B0609020204030204" pitchFamily="49" charset="0"/>
               </a:rPr>
               <a:t>   // Eventuell Berücksichtigung weiterer Level</a:t>
+            </a:r>
+            <a:r>
+              <a:rPr lang="de-DE" altLang="de-DE" sz="1600" dirty="0">
+                <a:solidFill>
+                  <a:srgbClr val="000000"/>
+                </a:solidFill>
+                <a:latin typeface="Consolas" panose="020B0609020204030204" pitchFamily="49" charset="0"/>
+                <a:cs typeface="Consolas" panose="020B0609020204030204" pitchFamily="49" charset="0"/>
+              </a:rPr>
+              <a:t/>
             </a:r>
             <a:br>
               <a:rPr lang="de-DE" altLang="de-DE" sz="1600" dirty="0">
@@ -11137,6 +11263,16 @@
                 <a:cs typeface="Consolas" panose="020B0609020204030204" pitchFamily="49" charset="0"/>
               </a:rPr>
             </a:br>
+            <a:r>
+              <a:rPr lang="de-DE" altLang="de-DE" sz="1600" dirty="0">
+                <a:solidFill>
+                  <a:srgbClr val="000000"/>
+                </a:solidFill>
+                <a:latin typeface="Consolas" panose="020B0609020204030204" pitchFamily="49" charset="0"/>
+                <a:cs typeface="Consolas" panose="020B0609020204030204" pitchFamily="49" charset="0"/>
+              </a:rPr>
+              <a:t/>
+            </a:r>
             <a:br>
               <a:rPr lang="de-DE" altLang="de-DE" sz="1600" dirty="0">
                 <a:solidFill>
@@ -11245,6 +11381,16 @@
                 <a:cs typeface="Consolas" panose="020B0609020204030204" pitchFamily="49" charset="0"/>
               </a:rPr>
             </a:br>
+            <a:r>
+              <a:rPr lang="de-DE" altLang="de-DE" sz="1600" dirty="0">
+                <a:solidFill>
+                  <a:srgbClr val="000000"/>
+                </a:solidFill>
+                <a:latin typeface="Consolas" panose="020B0609020204030204" pitchFamily="49" charset="0"/>
+                <a:cs typeface="Consolas" panose="020B0609020204030204" pitchFamily="49" charset="0"/>
+              </a:rPr>
+              <a:t/>
+            </a:r>
             <a:br>
               <a:rPr lang="de-DE" altLang="de-DE" sz="1600" dirty="0">
                 <a:solidFill>
@@ -11293,6 +11439,16 @@
                 <a:cs typeface="Consolas" panose="020B0609020204030204" pitchFamily="49" charset="0"/>
               </a:rPr>
             </a:br>
+            <a:r>
+              <a:rPr lang="de-DE" altLang="de-DE" sz="1600" dirty="0">
+                <a:solidFill>
+                  <a:srgbClr val="000000"/>
+                </a:solidFill>
+                <a:latin typeface="Consolas" panose="020B0609020204030204" pitchFamily="49" charset="0"/>
+                <a:cs typeface="Consolas" panose="020B0609020204030204" pitchFamily="49" charset="0"/>
+              </a:rPr>
+              <a:t/>
+            </a:r>
             <a:br>
               <a:rPr lang="de-DE" altLang="de-DE" sz="1600" dirty="0">
                 <a:solidFill>
@@ -12169,6 +12325,16 @@
                 <a:cs typeface="Consolas" panose="020B0609020204030204" pitchFamily="49" charset="0"/>
               </a:rPr>
             </a:br>
+            <a:r>
+              <a:rPr lang="de-DE" altLang="de-DE" sz="1600" dirty="0">
+                <a:solidFill>
+                  <a:srgbClr val="000000"/>
+                </a:solidFill>
+                <a:latin typeface="Consolas" panose="020B0609020204030204" pitchFamily="49" charset="0"/>
+                <a:cs typeface="Consolas" panose="020B0609020204030204" pitchFamily="49" charset="0"/>
+              </a:rPr>
+              <a:t/>
+            </a:r>
             <a:br>
               <a:rPr lang="de-DE" altLang="de-DE" sz="1600" dirty="0">
                 <a:solidFill>
@@ -12217,6 +12383,16 @@
                 <a:cs typeface="Consolas" panose="020B0609020204030204" pitchFamily="49" charset="0"/>
               </a:rPr>
             </a:br>
+            <a:r>
+              <a:rPr lang="de-DE" altLang="de-DE" sz="1600" dirty="0">
+                <a:solidFill>
+                  <a:srgbClr val="000000"/>
+                </a:solidFill>
+                <a:latin typeface="Consolas" panose="020B0609020204030204" pitchFamily="49" charset="0"/>
+                <a:cs typeface="Consolas" panose="020B0609020204030204" pitchFamily="49" charset="0"/>
+              </a:rPr>
+              <a:t/>
+            </a:r>
             <a:br>
               <a:rPr lang="de-DE" altLang="de-DE" sz="1600" dirty="0">
                 <a:solidFill>
@@ -12519,6 +12695,16 @@
                 <a:cs typeface="Consolas" panose="020B0609020204030204" pitchFamily="49" charset="0"/>
               </a:rPr>
             </a:br>
+            <a:r>
+              <a:rPr lang="de-DE" altLang="de-DE" sz="1600" dirty="0">
+                <a:solidFill>
+                  <a:srgbClr val="000000"/>
+                </a:solidFill>
+                <a:latin typeface="Consolas" panose="020B0609020204030204" pitchFamily="49" charset="0"/>
+                <a:cs typeface="Consolas" panose="020B0609020204030204" pitchFamily="49" charset="0"/>
+              </a:rPr>
+              <a:t/>
+            </a:r>
             <a:br>
               <a:rPr lang="de-DE" altLang="de-DE" sz="1600" dirty="0">
                 <a:solidFill>
@@ -12626,6 +12812,16 @@
                 <a:cs typeface="Consolas" panose="020B0609020204030204" pitchFamily="49" charset="0"/>
               </a:rPr>
             </a:br>
+            <a:r>
+              <a:rPr lang="de-DE" altLang="de-DE" sz="1600" dirty="0">
+                <a:solidFill>
+                  <a:srgbClr val="000000"/>
+                </a:solidFill>
+                <a:latin typeface="Consolas" panose="020B0609020204030204" pitchFamily="49" charset="0"/>
+                <a:cs typeface="Consolas" panose="020B0609020204030204" pitchFamily="49" charset="0"/>
+              </a:rPr>
+              <a:t/>
+            </a:r>
             <a:br>
               <a:rPr lang="de-DE" altLang="de-DE" sz="1600" dirty="0">
                 <a:solidFill>
@@ -13001,6 +13197,16 @@
                 <a:cs typeface="Consolas" panose="020B0609020204030204" pitchFamily="49" charset="0"/>
               </a:rPr>
             </a:br>
+            <a:r>
+              <a:rPr lang="de-DE" altLang="de-DE" sz="1200" dirty="0">
+                <a:solidFill>
+                  <a:srgbClr val="000000"/>
+                </a:solidFill>
+                <a:latin typeface="Consolas" panose="020B0609020204030204" pitchFamily="49" charset="0"/>
+                <a:cs typeface="Consolas" panose="020B0609020204030204" pitchFamily="49" charset="0"/>
+              </a:rPr>
+              <a:t/>
+            </a:r>
             <a:br>
               <a:rPr lang="de-DE" altLang="de-DE" sz="1200" dirty="0">
                 <a:solidFill>
@@ -13148,6 +13354,16 @@
                 <a:cs typeface="Consolas" panose="020B0609020204030204" pitchFamily="49" charset="0"/>
               </a:rPr>
             </a:br>
+            <a:r>
+              <a:rPr lang="de-DE" altLang="de-DE" sz="1200" dirty="0">
+                <a:solidFill>
+                  <a:srgbClr val="000000"/>
+                </a:solidFill>
+                <a:latin typeface="Consolas" panose="020B0609020204030204" pitchFamily="49" charset="0"/>
+                <a:cs typeface="Consolas" panose="020B0609020204030204" pitchFamily="49" charset="0"/>
+              </a:rPr>
+              <a:t/>
+            </a:r>
             <a:br>
               <a:rPr lang="de-DE" altLang="de-DE" sz="1200" dirty="0">
                 <a:solidFill>
@@ -13295,6 +13511,16 @@
                 <a:cs typeface="Consolas" panose="020B0609020204030204" pitchFamily="49" charset="0"/>
               </a:rPr>
             </a:br>
+            <a:r>
+              <a:rPr lang="de-DE" altLang="de-DE" sz="1200" dirty="0">
+                <a:solidFill>
+                  <a:srgbClr val="000000"/>
+                </a:solidFill>
+                <a:latin typeface="Consolas" panose="020B0609020204030204" pitchFamily="49" charset="0"/>
+                <a:cs typeface="Consolas" panose="020B0609020204030204" pitchFamily="49" charset="0"/>
+              </a:rPr>
+              <a:t/>
+            </a:r>
             <a:br>
               <a:rPr lang="de-DE" altLang="de-DE" sz="1200" dirty="0">
                 <a:solidFill>
@@ -13622,6 +13848,16 @@
                 <a:cs typeface="Consolas" panose="020B0609020204030204" pitchFamily="49" charset="0"/>
               </a:rPr>
             </a:br>
+            <a:r>
+              <a:rPr lang="de-DE" altLang="de-DE" sz="1200" dirty="0">
+                <a:solidFill>
+                  <a:srgbClr val="000000"/>
+                </a:solidFill>
+                <a:latin typeface="Consolas" panose="020B0609020204030204" pitchFamily="49" charset="0"/>
+                <a:cs typeface="Consolas" panose="020B0609020204030204" pitchFamily="49" charset="0"/>
+              </a:rPr>
+              <a:t/>
+            </a:r>
             <a:br>
               <a:rPr lang="de-DE" altLang="de-DE" sz="1200" dirty="0">
                 <a:solidFill>
@@ -13768,6 +14004,16 @@
                 <a:cs typeface="Consolas" panose="020B0609020204030204" pitchFamily="49" charset="0"/>
               </a:rPr>
             </a:br>
+            <a:r>
+              <a:rPr lang="de-DE" altLang="de-DE" sz="1200" dirty="0">
+                <a:solidFill>
+                  <a:srgbClr val="000000"/>
+                </a:solidFill>
+                <a:latin typeface="Consolas" panose="020B0609020204030204" pitchFamily="49" charset="0"/>
+                <a:cs typeface="Consolas" panose="020B0609020204030204" pitchFamily="49" charset="0"/>
+              </a:rPr>
+              <a:t/>
+            </a:r>
             <a:br>
               <a:rPr lang="de-DE" altLang="de-DE" sz="1200" dirty="0">
                 <a:solidFill>
@@ -13974,6 +14220,16 @@
                 <a:cs typeface="Consolas" panose="020B0609020204030204" pitchFamily="49" charset="0"/>
               </a:rPr>
             </a:br>
+            <a:r>
+              <a:rPr lang="de-DE" altLang="de-DE" sz="1200" dirty="0">
+                <a:solidFill>
+                  <a:srgbClr val="000000"/>
+                </a:solidFill>
+                <a:latin typeface="Consolas" panose="020B0609020204030204" pitchFamily="49" charset="0"/>
+                <a:cs typeface="Consolas" panose="020B0609020204030204" pitchFamily="49" charset="0"/>
+              </a:rPr>
+              <a:t/>
+            </a:r>
             <a:br>
               <a:rPr lang="de-DE" altLang="de-DE" sz="1200" dirty="0">
                 <a:solidFill>
@@ -14534,6 +14790,16 @@
                 <a:cs typeface="Consolas" panose="020B0609020204030204" pitchFamily="49" charset="0"/>
               </a:rPr>
             </a:br>
+            <a:r>
+              <a:rPr lang="de-DE" altLang="de-DE" sz="1600" dirty="0">
+                <a:solidFill>
+                  <a:srgbClr val="000000"/>
+                </a:solidFill>
+                <a:latin typeface="Consolas" panose="020B0609020204030204" pitchFamily="49" charset="0"/>
+                <a:cs typeface="Consolas" panose="020B0609020204030204" pitchFamily="49" charset="0"/>
+              </a:rPr>
+              <a:t/>
+            </a:r>
             <a:br>
               <a:rPr lang="de-DE" altLang="de-DE" sz="1600" dirty="0">
                 <a:solidFill>
@@ -14741,6 +15007,16 @@
                 <a:cs typeface="Consolas" panose="020B0609020204030204" pitchFamily="49" charset="0"/>
               </a:rPr>
             </a:br>
+            <a:r>
+              <a:rPr lang="de-DE" altLang="de-DE" sz="1600" dirty="0">
+                <a:solidFill>
+                  <a:srgbClr val="000000"/>
+                </a:solidFill>
+                <a:latin typeface="Consolas" panose="020B0609020204030204" pitchFamily="49" charset="0"/>
+                <a:cs typeface="Consolas" panose="020B0609020204030204" pitchFamily="49" charset="0"/>
+              </a:rPr>
+              <a:t/>
+            </a:r>
             <a:br>
               <a:rPr lang="de-DE" altLang="de-DE" sz="1600" dirty="0">
                 <a:solidFill>

--- a/slides/Tag-2_3-Bestandteile_Formulare.pptx
+++ b/slides/Tag-2_3-Bestandteile_Formulare.pptx
@@ -4936,7 +4936,7 @@
               <a:pPr algn="ctr">
                 <a:defRPr/>
               </a:pPr>
-              <a:t>25.05.2021</a:t>
+              <a:t>03.02.2023</a:t>
             </a:fld>
             <a:endParaRPr lang="de-DE" sz="1000" dirty="0">
               <a:solidFill>
@@ -5394,30 +5394,6 @@
           </a:p>
         </p:txBody>
       </p:sp>
-      <p:pic>
-        <p:nvPicPr>
-          <p:cNvPr id="14" name="Grafik 13" descr="logoGFU.jpg"/>
-          <p:cNvPicPr>
-            <a:picLocks noChangeAspect="1"/>
-          </p:cNvPicPr>
-          <p:nvPr/>
-        </p:nvPicPr>
-        <p:blipFill>
-          <a:blip r:embed="rId16" cstate="print"/>
-          <a:stretch>
-            <a:fillRect/>
-          </a:stretch>
-        </p:blipFill>
-        <p:spPr>
-          <a:xfrm>
-            <a:off x="6805628" y="572040"/>
-            <a:ext cx="1785950" cy="385205"/>
-          </a:xfrm>
-          <a:prstGeom prst="rect">
-            <a:avLst/>
-          </a:prstGeom>
-        </p:spPr>
-      </p:pic>
       <p:sp>
         <p:nvSpPr>
           <p:cNvPr id="15" name="Text Box 24"/>
@@ -5512,13 +5488,22 @@
               <a:defRPr/>
             </a:pPr>
             <a:r>
-              <a:rPr lang="de-DE" sz="1000" dirty="0" smtClean="0">
+              <a:rPr lang="de-DE" sz="1000" dirty="0">
                 <a:solidFill>
                   <a:schemeClr val="bg1"/>
                 </a:solidFill>
                 <a:latin typeface="Arial" charset="0"/>
               </a:rPr>
-              <a:t>Patrick Möbius</a:t>
+              <a:t>Patrick </a:t>
+            </a:r>
+            <a:r>
+              <a:rPr lang="de-DE" sz="1000" dirty="0" err="1">
+                <a:solidFill>
+                  <a:schemeClr val="bg1"/>
+                </a:solidFill>
+                <a:latin typeface="Arial" charset="0"/>
+              </a:rPr>
+              <a:t>Ungewiß</a:t>
             </a:r>
             <a:endParaRPr lang="de-DE" sz="1000" dirty="0">
               <a:solidFill>
@@ -6989,13 +6974,6 @@
   <p:clrMapOvr>
     <a:masterClrMapping/>
   </p:clrMapOvr>
-  <p:timing>
-    <p:tnLst>
-      <p:par>
-        <p:cTn id="1" dur="indefinite" restart="never" nodeType="tmRoot"/>
-      </p:par>
-    </p:tnLst>
-  </p:timing>
 </p:sld>
 </file>
 
@@ -7424,16 +7402,6 @@
                 <a:cs typeface="Consolas" panose="020B0609020204030204" pitchFamily="49" charset="0"/>
               </a:rPr>
             </a:br>
-            <a:r>
-              <a:rPr lang="de-DE" altLang="de-DE" sz="1600" dirty="0">
-                <a:solidFill>
-                  <a:srgbClr val="000000"/>
-                </a:solidFill>
-                <a:latin typeface="Consolas" panose="020B0609020204030204" pitchFamily="49" charset="0"/>
-                <a:cs typeface="Consolas" panose="020B0609020204030204" pitchFamily="49" charset="0"/>
-              </a:rPr>
-              <a:t/>
-            </a:r>
             <a:br>
               <a:rPr lang="de-DE" altLang="de-DE" sz="1600" dirty="0">
                 <a:solidFill>
@@ -7463,16 +7431,6 @@
               </a:rPr>
               <a:t>NotNull</a:t>
             </a:r>
-            <a:r>
-              <a:rPr lang="de-DE" altLang="de-DE" sz="1600" dirty="0">
-                <a:solidFill>
-                  <a:srgbClr val="000000"/>
-                </a:solidFill>
-                <a:latin typeface="Consolas" panose="020B0609020204030204" pitchFamily="49" charset="0"/>
-                <a:cs typeface="Consolas" panose="020B0609020204030204" pitchFamily="49" charset="0"/>
-              </a:rPr>
-              <a:t/>
-            </a:r>
             <a:br>
               <a:rPr lang="de-DE" altLang="de-DE" sz="1600" dirty="0">
                 <a:solidFill>
@@ -7658,16 +7616,6 @@
                 <a:cs typeface="Consolas" panose="020B0609020204030204" pitchFamily="49" charset="0"/>
               </a:rPr>
             </a:br>
-            <a:r>
-              <a:rPr lang="de-DE" altLang="de-DE" sz="1600" dirty="0">
-                <a:solidFill>
-                  <a:srgbClr val="000000"/>
-                </a:solidFill>
-                <a:latin typeface="Consolas" panose="020B0609020204030204" pitchFamily="49" charset="0"/>
-                <a:cs typeface="Consolas" panose="020B0609020204030204" pitchFamily="49" charset="0"/>
-              </a:rPr>
-              <a:t/>
-            </a:r>
             <a:br>
               <a:rPr lang="de-DE" altLang="de-DE" sz="1600" dirty="0">
                 <a:solidFill>
@@ -7825,16 +7773,6 @@
                 <a:cs typeface="Consolas" panose="020B0609020204030204" pitchFamily="49" charset="0"/>
               </a:rPr>
             </a:br>
-            <a:r>
-              <a:rPr lang="de-DE" altLang="de-DE" sz="1600" dirty="0">
-                <a:solidFill>
-                  <a:srgbClr val="000000"/>
-                </a:solidFill>
-                <a:latin typeface="Consolas" panose="020B0609020204030204" pitchFamily="49" charset="0"/>
-                <a:cs typeface="Consolas" panose="020B0609020204030204" pitchFamily="49" charset="0"/>
-              </a:rPr>
-              <a:t/>
-            </a:r>
             <a:br>
               <a:rPr lang="de-DE" altLang="de-DE" sz="1600" dirty="0">
                 <a:solidFill>
@@ -7884,16 +7822,6 @@
               </a:rPr>
               <a:t>NotNull</a:t>
             </a:r>
-            <a:r>
-              <a:rPr lang="de-DE" altLang="de-DE" sz="1600" dirty="0">
-                <a:solidFill>
-                  <a:srgbClr val="000000"/>
-                </a:solidFill>
-                <a:latin typeface="Consolas" panose="020B0609020204030204" pitchFamily="49" charset="0"/>
-                <a:cs typeface="Consolas" panose="020B0609020204030204" pitchFamily="49" charset="0"/>
-              </a:rPr>
-              <a:t/>
-            </a:r>
             <a:br>
               <a:rPr lang="de-DE" altLang="de-DE" sz="1600" dirty="0">
                 <a:solidFill>
@@ -7962,16 +7890,6 @@
                 <a:cs typeface="Consolas" panose="020B0609020204030204" pitchFamily="49" charset="0"/>
               </a:rPr>
             </a:br>
-            <a:r>
-              <a:rPr lang="de-DE" altLang="de-DE" sz="1600" dirty="0">
-                <a:solidFill>
-                  <a:srgbClr val="000000"/>
-                </a:solidFill>
-                <a:latin typeface="Consolas" panose="020B0609020204030204" pitchFamily="49" charset="0"/>
-                <a:cs typeface="Consolas" panose="020B0609020204030204" pitchFamily="49" charset="0"/>
-              </a:rPr>
-              <a:t/>
-            </a:r>
             <a:br>
               <a:rPr lang="de-DE" altLang="de-DE" sz="1600" dirty="0">
                 <a:solidFill>
@@ -8000,16 +7918,6 @@
                 <a:cs typeface="Consolas" panose="020B0609020204030204" pitchFamily="49" charset="0"/>
               </a:rPr>
               <a:t>NotNull</a:t>
-            </a:r>
-            <a:r>
-              <a:rPr lang="de-DE" altLang="de-DE" sz="1600" dirty="0">
-                <a:solidFill>
-                  <a:srgbClr val="000000"/>
-                </a:solidFill>
-                <a:latin typeface="Consolas" panose="020B0609020204030204" pitchFamily="49" charset="0"/>
-                <a:cs typeface="Consolas" panose="020B0609020204030204" pitchFamily="49" charset="0"/>
-              </a:rPr>
-              <a:t/>
             </a:r>
             <a:br>
               <a:rPr lang="de-DE" altLang="de-DE" sz="1600" dirty="0">
@@ -8371,16 +8279,6 @@
                 <a:cs typeface="Consolas" panose="020B0609020204030204" pitchFamily="49" charset="0"/>
               </a:rPr>
             </a:br>
-            <a:r>
-              <a:rPr lang="de-DE" altLang="de-DE" sz="1600" dirty="0">
-                <a:solidFill>
-                  <a:srgbClr val="000000"/>
-                </a:solidFill>
-                <a:latin typeface="Consolas" panose="020B0609020204030204" pitchFamily="49" charset="0"/>
-                <a:cs typeface="Consolas" panose="020B0609020204030204" pitchFamily="49" charset="0"/>
-              </a:rPr>
-              <a:t/>
-            </a:r>
             <a:br>
               <a:rPr lang="de-DE" altLang="de-DE" sz="1600" dirty="0">
                 <a:solidFill>
@@ -8634,16 +8532,6 @@
                 <a:cs typeface="Consolas" panose="020B0609020204030204" pitchFamily="49" charset="0"/>
               </a:rPr>
             </a:br>
-            <a:r>
-              <a:rPr lang="de-DE" altLang="de-DE" sz="1600" dirty="0">
-                <a:solidFill>
-                  <a:srgbClr val="000000"/>
-                </a:solidFill>
-                <a:latin typeface="Consolas" panose="020B0609020204030204" pitchFamily="49" charset="0"/>
-                <a:cs typeface="Consolas" panose="020B0609020204030204" pitchFamily="49" charset="0"/>
-              </a:rPr>
-              <a:t/>
-            </a:r>
             <a:br>
               <a:rPr lang="de-DE" altLang="de-DE" sz="1600" dirty="0">
                 <a:solidFill>
@@ -10548,16 +10436,6 @@
                 <a:cs typeface="Consolas" panose="020B0609020204030204" pitchFamily="49" charset="0"/>
               </a:rPr>
             </a:br>
-            <a:r>
-              <a:rPr lang="de-DE" altLang="de-DE" sz="1600" dirty="0">
-                <a:solidFill>
-                  <a:srgbClr val="000000"/>
-                </a:solidFill>
-                <a:latin typeface="Consolas" panose="020B0609020204030204" pitchFamily="49" charset="0"/>
-                <a:cs typeface="Consolas" panose="020B0609020204030204" pitchFamily="49" charset="0"/>
-              </a:rPr>
-              <a:t/>
-            </a:r>
             <a:br>
               <a:rPr lang="de-DE" altLang="de-DE" sz="1600" dirty="0">
                 <a:solidFill>
@@ -10754,16 +10632,6 @@
                 <a:cs typeface="Consolas" panose="020B0609020204030204" pitchFamily="49" charset="0"/>
               </a:rPr>
             </a:br>
-            <a:r>
-              <a:rPr lang="de-DE" altLang="de-DE" sz="1600" dirty="0">
-                <a:solidFill>
-                  <a:srgbClr val="000000"/>
-                </a:solidFill>
-                <a:latin typeface="Consolas" panose="020B0609020204030204" pitchFamily="49" charset="0"/>
-                <a:cs typeface="Consolas" panose="020B0609020204030204" pitchFamily="49" charset="0"/>
-              </a:rPr>
-              <a:t/>
-            </a:r>
             <a:br>
               <a:rPr lang="de-DE" altLang="de-DE" sz="1600" dirty="0">
                 <a:solidFill>
@@ -11133,16 +11001,6 @@
                 <a:cs typeface="Consolas" panose="020B0609020204030204" pitchFamily="49" charset="0"/>
               </a:rPr>
               <a:t>   // Eventuell Berücksichtigung weiterer Level</a:t>
-            </a:r>
-            <a:r>
-              <a:rPr lang="de-DE" altLang="de-DE" sz="1600" dirty="0">
-                <a:solidFill>
-                  <a:srgbClr val="000000"/>
-                </a:solidFill>
-                <a:latin typeface="Consolas" panose="020B0609020204030204" pitchFamily="49" charset="0"/>
-                <a:cs typeface="Consolas" panose="020B0609020204030204" pitchFamily="49" charset="0"/>
-              </a:rPr>
-              <a:t/>
             </a:r>
             <a:br>
               <a:rPr lang="de-DE" altLang="de-DE" sz="1600" dirty="0">
@@ -11802,16 +11660,6 @@
                 <a:cs typeface="Consolas" panose="020B0609020204030204" pitchFamily="49" charset="0"/>
               </a:rPr>
             </a:br>
-            <a:r>
-              <a:rPr lang="de-DE" altLang="de-DE" sz="1600" dirty="0">
-                <a:solidFill>
-                  <a:srgbClr val="000000"/>
-                </a:solidFill>
-                <a:latin typeface="Consolas" panose="020B0609020204030204" pitchFamily="49" charset="0"/>
-                <a:cs typeface="Consolas" panose="020B0609020204030204" pitchFamily="49" charset="0"/>
-              </a:rPr>
-              <a:t/>
-            </a:r>
             <a:br>
               <a:rPr lang="de-DE" altLang="de-DE" sz="1600" dirty="0">
                 <a:solidFill>
@@ -11920,16 +11768,6 @@
                 <a:cs typeface="Consolas" panose="020B0609020204030204" pitchFamily="49" charset="0"/>
               </a:rPr>
             </a:br>
-            <a:r>
-              <a:rPr lang="de-DE" altLang="de-DE" sz="1600" dirty="0">
-                <a:solidFill>
-                  <a:srgbClr val="000000"/>
-                </a:solidFill>
-                <a:latin typeface="Consolas" panose="020B0609020204030204" pitchFamily="49" charset="0"/>
-                <a:cs typeface="Consolas" panose="020B0609020204030204" pitchFamily="49" charset="0"/>
-              </a:rPr>
-              <a:t/>
-            </a:r>
             <a:br>
               <a:rPr lang="de-DE" altLang="de-DE" sz="1600" dirty="0">
                 <a:solidFill>
@@ -11978,16 +11816,6 @@
                 <a:cs typeface="Consolas" panose="020B0609020204030204" pitchFamily="49" charset="0"/>
               </a:rPr>
             </a:br>
-            <a:r>
-              <a:rPr lang="de-DE" altLang="de-DE" sz="1600" dirty="0">
-                <a:solidFill>
-                  <a:srgbClr val="000000"/>
-                </a:solidFill>
-                <a:latin typeface="Consolas" panose="020B0609020204030204" pitchFamily="49" charset="0"/>
-                <a:cs typeface="Consolas" panose="020B0609020204030204" pitchFamily="49" charset="0"/>
-              </a:rPr>
-              <a:t/>
-            </a:r>
             <a:br>
               <a:rPr lang="de-DE" altLang="de-DE" sz="1600" dirty="0">
                 <a:solidFill>
@@ -12864,16 +12692,6 @@
                 <a:cs typeface="Consolas" panose="020B0609020204030204" pitchFamily="49" charset="0"/>
               </a:rPr>
             </a:br>
-            <a:r>
-              <a:rPr lang="de-DE" altLang="de-DE" sz="1600" dirty="0">
-                <a:solidFill>
-                  <a:srgbClr val="000000"/>
-                </a:solidFill>
-                <a:latin typeface="Consolas" panose="020B0609020204030204" pitchFamily="49" charset="0"/>
-                <a:cs typeface="Consolas" panose="020B0609020204030204" pitchFamily="49" charset="0"/>
-              </a:rPr>
-              <a:t/>
-            </a:r>
             <a:br>
               <a:rPr lang="de-DE" altLang="de-DE" sz="1600" dirty="0">
                 <a:solidFill>
@@ -12922,16 +12740,6 @@
                 <a:cs typeface="Consolas" panose="020B0609020204030204" pitchFamily="49" charset="0"/>
               </a:rPr>
             </a:br>
-            <a:r>
-              <a:rPr lang="de-DE" altLang="de-DE" sz="1600" dirty="0">
-                <a:solidFill>
-                  <a:srgbClr val="000000"/>
-                </a:solidFill>
-                <a:latin typeface="Consolas" panose="020B0609020204030204" pitchFamily="49" charset="0"/>
-                <a:cs typeface="Consolas" panose="020B0609020204030204" pitchFamily="49" charset="0"/>
-              </a:rPr>
-              <a:t/>
-            </a:r>
             <a:br>
               <a:rPr lang="de-DE" altLang="de-DE" sz="1600" dirty="0">
                 <a:solidFill>
@@ -13234,16 +13042,6 @@
                 <a:cs typeface="Consolas" panose="020B0609020204030204" pitchFamily="49" charset="0"/>
               </a:rPr>
             </a:br>
-            <a:r>
-              <a:rPr lang="de-DE" altLang="de-DE" sz="1600" dirty="0">
-                <a:solidFill>
-                  <a:srgbClr val="000000"/>
-                </a:solidFill>
-                <a:latin typeface="Consolas" panose="020B0609020204030204" pitchFamily="49" charset="0"/>
-                <a:cs typeface="Consolas" panose="020B0609020204030204" pitchFamily="49" charset="0"/>
-              </a:rPr>
-              <a:t/>
-            </a:r>
             <a:br>
               <a:rPr lang="de-DE" altLang="de-DE" sz="1600" dirty="0">
                 <a:solidFill>
@@ -13351,16 +13149,6 @@
                 <a:cs typeface="Consolas" panose="020B0609020204030204" pitchFamily="49" charset="0"/>
               </a:rPr>
             </a:br>
-            <a:r>
-              <a:rPr lang="de-DE" altLang="de-DE" sz="1600" dirty="0">
-                <a:solidFill>
-                  <a:srgbClr val="000000"/>
-                </a:solidFill>
-                <a:latin typeface="Consolas" panose="020B0609020204030204" pitchFamily="49" charset="0"/>
-                <a:cs typeface="Consolas" panose="020B0609020204030204" pitchFamily="49" charset="0"/>
-              </a:rPr>
-              <a:t/>
-            </a:r>
             <a:br>
               <a:rPr lang="de-DE" altLang="de-DE" sz="1600" dirty="0">
                 <a:solidFill>
@@ -13736,16 +13524,6 @@
                 <a:cs typeface="Consolas" panose="020B0609020204030204" pitchFamily="49" charset="0"/>
               </a:rPr>
             </a:br>
-            <a:r>
-              <a:rPr lang="de-DE" altLang="de-DE" sz="1200" dirty="0">
-                <a:solidFill>
-                  <a:srgbClr val="000000"/>
-                </a:solidFill>
-                <a:latin typeface="Consolas" panose="020B0609020204030204" pitchFamily="49" charset="0"/>
-                <a:cs typeface="Consolas" panose="020B0609020204030204" pitchFamily="49" charset="0"/>
-              </a:rPr>
-              <a:t/>
-            </a:r>
             <a:br>
               <a:rPr lang="de-DE" altLang="de-DE" sz="1200" dirty="0">
                 <a:solidFill>
@@ -13893,16 +13671,6 @@
                 <a:cs typeface="Consolas" panose="020B0609020204030204" pitchFamily="49" charset="0"/>
               </a:rPr>
             </a:br>
-            <a:r>
-              <a:rPr lang="de-DE" altLang="de-DE" sz="1200" dirty="0">
-                <a:solidFill>
-                  <a:srgbClr val="000000"/>
-                </a:solidFill>
-                <a:latin typeface="Consolas" panose="020B0609020204030204" pitchFamily="49" charset="0"/>
-                <a:cs typeface="Consolas" panose="020B0609020204030204" pitchFamily="49" charset="0"/>
-              </a:rPr>
-              <a:t/>
-            </a:r>
             <a:br>
               <a:rPr lang="de-DE" altLang="de-DE" sz="1200" dirty="0">
                 <a:solidFill>
@@ -14050,16 +13818,6 @@
                 <a:cs typeface="Consolas" panose="020B0609020204030204" pitchFamily="49" charset="0"/>
               </a:rPr>
             </a:br>
-            <a:r>
-              <a:rPr lang="de-DE" altLang="de-DE" sz="1200" dirty="0">
-                <a:solidFill>
-                  <a:srgbClr val="000000"/>
-                </a:solidFill>
-                <a:latin typeface="Consolas" panose="020B0609020204030204" pitchFamily="49" charset="0"/>
-                <a:cs typeface="Consolas" panose="020B0609020204030204" pitchFamily="49" charset="0"/>
-              </a:rPr>
-              <a:t/>
-            </a:r>
             <a:br>
               <a:rPr lang="de-DE" altLang="de-DE" sz="1200" dirty="0">
                 <a:solidFill>
@@ -14387,16 +14145,6 @@
                 <a:cs typeface="Consolas" panose="020B0609020204030204" pitchFamily="49" charset="0"/>
               </a:rPr>
             </a:br>
-            <a:r>
-              <a:rPr lang="de-DE" altLang="de-DE" sz="1200" dirty="0">
-                <a:solidFill>
-                  <a:srgbClr val="000000"/>
-                </a:solidFill>
-                <a:latin typeface="Consolas" panose="020B0609020204030204" pitchFamily="49" charset="0"/>
-                <a:cs typeface="Consolas" panose="020B0609020204030204" pitchFamily="49" charset="0"/>
-              </a:rPr>
-              <a:t/>
-            </a:r>
             <a:br>
               <a:rPr lang="de-DE" altLang="de-DE" sz="1200" dirty="0">
                 <a:solidFill>
@@ -14543,16 +14291,6 @@
                 <a:cs typeface="Consolas" panose="020B0609020204030204" pitchFamily="49" charset="0"/>
               </a:rPr>
             </a:br>
-            <a:r>
-              <a:rPr lang="de-DE" altLang="de-DE" sz="1200" dirty="0">
-                <a:solidFill>
-                  <a:srgbClr val="000000"/>
-                </a:solidFill>
-                <a:latin typeface="Consolas" panose="020B0609020204030204" pitchFamily="49" charset="0"/>
-                <a:cs typeface="Consolas" panose="020B0609020204030204" pitchFamily="49" charset="0"/>
-              </a:rPr>
-              <a:t/>
-            </a:r>
             <a:br>
               <a:rPr lang="de-DE" altLang="de-DE" sz="1200" dirty="0">
                 <a:solidFill>
@@ -14759,16 +14497,6 @@
                 <a:cs typeface="Consolas" panose="020B0609020204030204" pitchFamily="49" charset="0"/>
               </a:rPr>
             </a:br>
-            <a:r>
-              <a:rPr lang="de-DE" altLang="de-DE" sz="1200" dirty="0">
-                <a:solidFill>
-                  <a:srgbClr val="000000"/>
-                </a:solidFill>
-                <a:latin typeface="Consolas" panose="020B0609020204030204" pitchFamily="49" charset="0"/>
-                <a:cs typeface="Consolas" panose="020B0609020204030204" pitchFamily="49" charset="0"/>
-              </a:rPr>
-              <a:t/>
-            </a:r>
             <a:br>
               <a:rPr lang="de-DE" altLang="de-DE" sz="1200" dirty="0">
                 <a:solidFill>
@@ -15329,16 +15057,6 @@
                 <a:cs typeface="Consolas" panose="020B0609020204030204" pitchFamily="49" charset="0"/>
               </a:rPr>
             </a:br>
-            <a:r>
-              <a:rPr lang="de-DE" altLang="de-DE" sz="1600" dirty="0">
-                <a:solidFill>
-                  <a:srgbClr val="000000"/>
-                </a:solidFill>
-                <a:latin typeface="Consolas" panose="020B0609020204030204" pitchFamily="49" charset="0"/>
-                <a:cs typeface="Consolas" panose="020B0609020204030204" pitchFamily="49" charset="0"/>
-              </a:rPr>
-              <a:t/>
-            </a:r>
             <a:br>
               <a:rPr lang="de-DE" altLang="de-DE" sz="1600" dirty="0">
                 <a:solidFill>
@@ -15546,16 +15264,6 @@
                 <a:cs typeface="Consolas" panose="020B0609020204030204" pitchFamily="49" charset="0"/>
               </a:rPr>
             </a:br>
-            <a:r>
-              <a:rPr lang="de-DE" altLang="de-DE" sz="1600" dirty="0">
-                <a:solidFill>
-                  <a:srgbClr val="000000"/>
-                </a:solidFill>
-                <a:latin typeface="Consolas" panose="020B0609020204030204" pitchFamily="49" charset="0"/>
-                <a:cs typeface="Consolas" panose="020B0609020204030204" pitchFamily="49" charset="0"/>
-              </a:rPr>
-              <a:t/>
-            </a:r>
             <a:br>
               <a:rPr lang="de-DE" altLang="de-DE" sz="1600" dirty="0">
                 <a:solidFill>

--- a/slides/Tag-2_3-Bestandteile_Formulare.pptx
+++ b/slides/Tag-2_3-Bestandteile_Formulare.pptx
@@ -4936,7 +4936,7 @@
               <a:pPr algn="ctr">
                 <a:defRPr/>
               </a:pPr>
-              <a:t>03.02.2023</a:t>
+              <a:t>10.02.2023</a:t>
             </a:fld>
             <a:endParaRPr lang="de-DE" sz="1000" dirty="0">
               <a:solidFill>
